--- a/Bangalore Resto.pptx
+++ b/Bangalore Resto.pptx
@@ -16,7 +16,8 @@
     <p:sldId id="265" r:id="rId10"/>
     <p:sldId id="262" r:id="rId11"/>
     <p:sldId id="269" r:id="rId12"/>
-    <p:sldId id="266" r:id="rId13"/>
+    <p:sldId id="270" r:id="rId13"/>
+    <p:sldId id="266" r:id="rId14"/>
   </p:sldIdLst>
   <p:sldSz cx="12192000" cy="6858000"/>
   <p:notesSz cx="6858000" cy="9144000"/>
@@ -294,7 +295,7 @@
           <a:p>
             <a:fld id="{393F3E2A-7BE2-45FC-8B46-01303A9236DF}" type="datetimeFigureOut">
               <a:rPr lang="en-IN" smtClean="0"/>
-              <a:t>27-02-2021</a:t>
+              <a:t>02-03-2021</a:t>
             </a:fld>
             <a:endParaRPr lang="en-IN"/>
           </a:p>
@@ -609,7 +610,7 @@
           <a:p>
             <a:fld id="{393F3E2A-7BE2-45FC-8B46-01303A9236DF}" type="datetimeFigureOut">
               <a:rPr lang="en-IN" smtClean="0"/>
-              <a:t>27-02-2021</a:t>
+              <a:t>02-03-2021</a:t>
             </a:fld>
             <a:endParaRPr lang="en-IN"/>
           </a:p>
@@ -831,7 +832,7 @@
           <a:p>
             <a:fld id="{393F3E2A-7BE2-45FC-8B46-01303A9236DF}" type="datetimeFigureOut">
               <a:rPr lang="en-IN" smtClean="0"/>
-              <a:t>27-02-2021</a:t>
+              <a:t>02-03-2021</a:t>
             </a:fld>
             <a:endParaRPr lang="en-IN"/>
           </a:p>
@@ -1122,7 +1123,7 @@
           <a:p>
             <a:fld id="{393F3E2A-7BE2-45FC-8B46-01303A9236DF}" type="datetimeFigureOut">
               <a:rPr lang="en-IN" smtClean="0"/>
-              <a:t>27-02-2021</a:t>
+              <a:t>02-03-2021</a:t>
             </a:fld>
             <a:endParaRPr lang="en-IN"/>
           </a:p>
@@ -1576,7 +1577,7 @@
           <a:p>
             <a:fld id="{393F3E2A-7BE2-45FC-8B46-01303A9236DF}" type="datetimeFigureOut">
               <a:rPr lang="en-IN" smtClean="0"/>
-              <a:t>27-02-2021</a:t>
+              <a:t>02-03-2021</a:t>
             </a:fld>
             <a:endParaRPr lang="en-IN"/>
           </a:p>
@@ -2152,7 +2153,7 @@
           <a:p>
             <a:fld id="{393F3E2A-7BE2-45FC-8B46-01303A9236DF}" type="datetimeFigureOut">
               <a:rPr lang="en-IN" smtClean="0"/>
-              <a:t>27-02-2021</a:t>
+              <a:t>02-03-2021</a:t>
             </a:fld>
             <a:endParaRPr lang="en-IN"/>
           </a:p>
@@ -3013,7 +3014,7 @@
           <a:p>
             <a:fld id="{393F3E2A-7BE2-45FC-8B46-01303A9236DF}" type="datetimeFigureOut">
               <a:rPr lang="en-IN" smtClean="0"/>
-              <a:t>27-02-2021</a:t>
+              <a:t>02-03-2021</a:t>
             </a:fld>
             <a:endParaRPr lang="en-IN"/>
           </a:p>
@@ -3218,7 +3219,7 @@
           <a:p>
             <a:fld id="{393F3E2A-7BE2-45FC-8B46-01303A9236DF}" type="datetimeFigureOut">
               <a:rPr lang="en-IN" smtClean="0"/>
-              <a:t>27-02-2021</a:t>
+              <a:t>02-03-2021</a:t>
             </a:fld>
             <a:endParaRPr lang="en-IN"/>
           </a:p>
@@ -3432,7 +3433,7 @@
           <a:p>
             <a:fld id="{393F3E2A-7BE2-45FC-8B46-01303A9236DF}" type="datetimeFigureOut">
               <a:rPr lang="en-IN" smtClean="0"/>
-              <a:t>27-02-2021</a:t>
+              <a:t>02-03-2021</a:t>
             </a:fld>
             <a:endParaRPr lang="en-IN"/>
           </a:p>
@@ -3620,7 +3621,7 @@
           <a:p>
             <a:fld id="{393F3E2A-7BE2-45FC-8B46-01303A9236DF}" type="datetimeFigureOut">
               <a:rPr lang="en-IN" smtClean="0"/>
-              <a:t>27-02-2021</a:t>
+              <a:t>02-03-2021</a:t>
             </a:fld>
             <a:endParaRPr lang="en-IN"/>
           </a:p>
@@ -3837,7 +3838,7 @@
           <a:p>
             <a:fld id="{393F3E2A-7BE2-45FC-8B46-01303A9236DF}" type="datetimeFigureOut">
               <a:rPr lang="en-IN" smtClean="0"/>
-              <a:t>27-02-2021</a:t>
+              <a:t>02-03-2021</a:t>
             </a:fld>
             <a:endParaRPr lang="en-IN"/>
           </a:p>
@@ -4117,7 +4118,7 @@
           <a:p>
             <a:fld id="{393F3E2A-7BE2-45FC-8B46-01303A9236DF}" type="datetimeFigureOut">
               <a:rPr lang="en-IN" smtClean="0"/>
-              <a:t>27-02-2021</a:t>
+              <a:t>02-03-2021</a:t>
             </a:fld>
             <a:endParaRPr lang="en-IN"/>
           </a:p>
@@ -4384,7 +4385,7 @@
           <a:p>
             <a:fld id="{393F3E2A-7BE2-45FC-8B46-01303A9236DF}" type="datetimeFigureOut">
               <a:rPr lang="en-IN" smtClean="0"/>
-              <a:t>27-02-2021</a:t>
+              <a:t>02-03-2021</a:t>
             </a:fld>
             <a:endParaRPr lang="en-IN"/>
           </a:p>
@@ -4799,7 +4800,7 @@
           <a:p>
             <a:fld id="{393F3E2A-7BE2-45FC-8B46-01303A9236DF}" type="datetimeFigureOut">
               <a:rPr lang="en-IN" smtClean="0"/>
-              <a:t>27-02-2021</a:t>
+              <a:t>02-03-2021</a:t>
             </a:fld>
             <a:endParaRPr lang="en-IN"/>
           </a:p>
@@ -4947,7 +4948,7 @@
           <a:p>
             <a:fld id="{393F3E2A-7BE2-45FC-8B46-01303A9236DF}" type="datetimeFigureOut">
               <a:rPr lang="en-IN" smtClean="0"/>
-              <a:t>27-02-2021</a:t>
+              <a:t>02-03-2021</a:t>
             </a:fld>
             <a:endParaRPr lang="en-IN"/>
           </a:p>
@@ -5072,7 +5073,7 @@
           <a:p>
             <a:fld id="{393F3E2A-7BE2-45FC-8B46-01303A9236DF}" type="datetimeFigureOut">
               <a:rPr lang="en-IN" smtClean="0"/>
-              <a:t>27-02-2021</a:t>
+              <a:t>02-03-2021</a:t>
             </a:fld>
             <a:endParaRPr lang="en-IN"/>
           </a:p>
@@ -5351,7 +5352,7 @@
           <a:p>
             <a:fld id="{393F3E2A-7BE2-45FC-8B46-01303A9236DF}" type="datetimeFigureOut">
               <a:rPr lang="en-IN" smtClean="0"/>
-              <a:t>27-02-2021</a:t>
+              <a:t>02-03-2021</a:t>
             </a:fld>
             <a:endParaRPr lang="en-IN"/>
           </a:p>
@@ -5666,7 +5667,7 @@
           <a:p>
             <a:fld id="{393F3E2A-7BE2-45FC-8B46-01303A9236DF}" type="datetimeFigureOut">
               <a:rPr lang="en-IN" smtClean="0"/>
-              <a:t>27-02-2021</a:t>
+              <a:t>02-03-2021</a:t>
             </a:fld>
             <a:endParaRPr lang="en-IN"/>
           </a:p>
@@ -5919,7 +5920,7 @@
           <a:p>
             <a:fld id="{393F3E2A-7BE2-45FC-8B46-01303A9236DF}" type="datetimeFigureOut">
               <a:rPr lang="en-IN" smtClean="0"/>
-              <a:t>27-02-2021</a:t>
+              <a:t>02-03-2021</a:t>
             </a:fld>
             <a:endParaRPr lang="en-IN"/>
           </a:p>
@@ -6761,6 +6762,283 @@
       </p:grpSpPr>
       <p:sp>
         <p:nvSpPr>
+          <p:cNvPr id="2" name="Title 1">
+            <a:extLst>
+              <a:ext uri="{FF2B5EF4-FFF2-40B4-BE49-F238E27FC236}">
+                <a16:creationId xmlns:a16="http://schemas.microsoft.com/office/drawing/2014/main" id="{784581EA-CB9F-48AA-999D-9933843F2D85}"/>
+              </a:ext>
+            </a:extLst>
+          </p:cNvPr>
+          <p:cNvSpPr>
+            <a:spLocks noGrp="1"/>
+          </p:cNvSpPr>
+          <p:nvPr>
+            <p:ph type="title"/>
+          </p:nvPr>
+        </p:nvSpPr>
+        <p:spPr/>
+        <p:txBody>
+          <a:bodyPr/>
+          <a:lstStyle/>
+          <a:p>
+            <a:r>
+              <a:rPr lang="en-US" b="1" cap="none" dirty="0">
+                <a:latin typeface="Arial Black" panose="020B0A04020102020204" pitchFamily="34" charset="0"/>
+              </a:rPr>
+              <a:t>Research </a:t>
+            </a:r>
+            <a:endParaRPr lang="en-IN" b="1" cap="none" dirty="0">
+              <a:latin typeface="Arial Black" panose="020B0A04020102020204" pitchFamily="34" charset="0"/>
+            </a:endParaRPr>
+          </a:p>
+        </p:txBody>
+      </p:sp>
+      <p:sp>
+        <p:nvSpPr>
+          <p:cNvPr id="3" name="Content Placeholder 2">
+            <a:extLst>
+              <a:ext uri="{FF2B5EF4-FFF2-40B4-BE49-F238E27FC236}">
+                <a16:creationId xmlns:a16="http://schemas.microsoft.com/office/drawing/2014/main" id="{E6048D29-3892-462B-AC82-CA6837661029}"/>
+              </a:ext>
+            </a:extLst>
+          </p:cNvPr>
+          <p:cNvSpPr>
+            <a:spLocks noGrp="1"/>
+          </p:cNvSpPr>
+          <p:nvPr>
+            <p:ph idx="1"/>
+          </p:nvPr>
+        </p:nvSpPr>
+        <p:spPr/>
+        <p:txBody>
+          <a:bodyPr>
+            <a:normAutofit fontScale="25000" lnSpcReduction="20000"/>
+          </a:bodyPr>
+          <a:lstStyle/>
+          <a:p>
+            <a:r>
+              <a:rPr lang="en-US" sz="7200" cap="none" dirty="0">
+                <a:latin typeface="Arial Black" panose="020B0A04020102020204" pitchFamily="34" charset="0"/>
+              </a:rPr>
+              <a:t>BTM layout is </a:t>
+            </a:r>
+            <a:r>
+              <a:rPr lang="en-IN" sz="7200" cap="none" dirty="0" err="1">
+                <a:solidFill>
+                  <a:srgbClr val="222222"/>
+                </a:solidFill>
+                <a:latin typeface="Arial Black" panose="020B0A04020102020204" pitchFamily="34" charset="0"/>
+              </a:rPr>
+              <a:t>B</a:t>
+            </a:r>
+            <a:r>
+              <a:rPr lang="en-IN" sz="7200" b="0" i="0" cap="none" dirty="0" err="1">
+                <a:solidFill>
+                  <a:srgbClr val="222222"/>
+                </a:solidFill>
+                <a:effectLst/>
+                <a:latin typeface="Arial Black" panose="020B0A04020102020204" pitchFamily="34" charset="0"/>
+              </a:rPr>
+              <a:t>yrasandra</a:t>
+            </a:r>
+            <a:r>
+              <a:rPr lang="en-IN" sz="7200" b="0" i="0" cap="none" dirty="0">
+                <a:solidFill>
+                  <a:srgbClr val="222222"/>
+                </a:solidFill>
+                <a:effectLst/>
+                <a:latin typeface="Arial Black" panose="020B0A04020102020204" pitchFamily="34" charset="0"/>
+              </a:rPr>
+              <a:t>, </a:t>
+            </a:r>
+            <a:r>
+              <a:rPr lang="en-IN" sz="7200" cap="none" dirty="0" err="1">
+                <a:solidFill>
+                  <a:srgbClr val="222222"/>
+                </a:solidFill>
+                <a:latin typeface="Arial Black" panose="020B0A04020102020204" pitchFamily="34" charset="0"/>
+              </a:rPr>
+              <a:t>T</a:t>
+            </a:r>
+            <a:r>
+              <a:rPr lang="en-IN" sz="7200" b="0" i="0" cap="none" dirty="0" err="1">
+                <a:solidFill>
+                  <a:srgbClr val="222222"/>
+                </a:solidFill>
+                <a:effectLst/>
+                <a:latin typeface="Arial Black" panose="020B0A04020102020204" pitchFamily="34" charset="0"/>
+              </a:rPr>
+              <a:t>avarekere</a:t>
+            </a:r>
+            <a:r>
+              <a:rPr lang="en-IN" sz="7200" b="0" i="0" cap="none" dirty="0">
+                <a:solidFill>
+                  <a:srgbClr val="222222"/>
+                </a:solidFill>
+                <a:effectLst/>
+                <a:latin typeface="Arial Black" panose="020B0A04020102020204" pitchFamily="34" charset="0"/>
+              </a:rPr>
+              <a:t> and </a:t>
+            </a:r>
+            <a:r>
+              <a:rPr lang="en-IN" sz="7200" cap="none" dirty="0" err="1">
+                <a:solidFill>
+                  <a:srgbClr val="222222"/>
+                </a:solidFill>
+                <a:latin typeface="Arial Black" panose="020B0A04020102020204" pitchFamily="34" charset="0"/>
+              </a:rPr>
+              <a:t>M</a:t>
+            </a:r>
+            <a:r>
+              <a:rPr lang="en-IN" sz="7200" b="0" i="0" cap="none" dirty="0" err="1">
+                <a:solidFill>
+                  <a:srgbClr val="222222"/>
+                </a:solidFill>
+                <a:effectLst/>
+                <a:latin typeface="Arial Black" panose="020B0A04020102020204" pitchFamily="34" charset="0"/>
+              </a:rPr>
+              <a:t>adivala</a:t>
+            </a:r>
+            <a:r>
+              <a:rPr lang="en-IN" sz="7200" b="0" i="0" cap="none" dirty="0">
+                <a:solidFill>
+                  <a:srgbClr val="222222"/>
+                </a:solidFill>
+                <a:effectLst/>
+                <a:latin typeface="Arial Black" panose="020B0A04020102020204" pitchFamily="34" charset="0"/>
+              </a:rPr>
+              <a:t> layout which is situated in Bangalore state.</a:t>
+            </a:r>
+          </a:p>
+          <a:p>
+            <a:r>
+              <a:rPr lang="en-IN" sz="7200" b="1" i="0" cap="none" dirty="0">
+                <a:effectLst/>
+                <a:latin typeface="Arial Black" panose="020B0A04020102020204" pitchFamily="34" charset="0"/>
+              </a:rPr>
+              <a:t>BTM layout is a very good location. It is near to companies like oracle, airtel, HSBC, Accenture, IBM, Honeywell, Motorola at 2 to 5 kms, IIM-B at 3 kms, BGS national school and Padma </a:t>
+            </a:r>
+            <a:r>
+              <a:rPr lang="en-IN" sz="7200" b="1" cap="none" dirty="0" err="1">
+                <a:latin typeface="Arial Black" panose="020B0A04020102020204" pitchFamily="34" charset="0"/>
+              </a:rPr>
+              <a:t>S</a:t>
+            </a:r>
+            <a:r>
+              <a:rPr lang="en-IN" sz="7200" b="1" i="0" cap="none" dirty="0" err="1">
+                <a:effectLst/>
+                <a:latin typeface="Arial Black" panose="020B0A04020102020204" pitchFamily="34" charset="0"/>
+              </a:rPr>
+              <a:t>heshadri</a:t>
+            </a:r>
+            <a:r>
+              <a:rPr lang="en-IN" sz="7200" b="1" i="0" cap="none" dirty="0">
+                <a:effectLst/>
+                <a:latin typeface="Arial Black" panose="020B0A04020102020204" pitchFamily="34" charset="0"/>
+              </a:rPr>
+              <a:t> school at 2 to 3 km	s, </a:t>
+            </a:r>
+            <a:r>
+              <a:rPr lang="en-IN" sz="7200" b="1" i="0" cap="none" dirty="0" err="1">
+                <a:effectLst/>
+                <a:latin typeface="Arial Black" panose="020B0A04020102020204" pitchFamily="34" charset="0"/>
+              </a:rPr>
+              <a:t>wockhard</a:t>
+            </a:r>
+            <a:r>
+              <a:rPr lang="en-IN" sz="7200" b="1" i="0" cap="none" dirty="0">
+                <a:effectLst/>
+                <a:latin typeface="Arial Black" panose="020B0A04020102020204" pitchFamily="34" charset="0"/>
+              </a:rPr>
+              <a:t> and apollo hospitals at 2 kms, shoppers stop at 4 kms and reliance mart at 1.5 kms.</a:t>
+            </a:r>
+          </a:p>
+          <a:p>
+            <a:r>
+              <a:rPr lang="en-US" sz="7200" b="0" i="0" dirty="0">
+                <a:solidFill>
+                  <a:srgbClr val="606060"/>
+                </a:solidFill>
+                <a:effectLst/>
+                <a:latin typeface="Arial Black" panose="020B0A04020102020204" pitchFamily="34" charset="0"/>
+              </a:rPr>
+              <a:t> </a:t>
+            </a:r>
+            <a:r>
+              <a:rPr lang="en-US" sz="7200" b="1" i="0" cap="none" dirty="0">
+                <a:effectLst/>
+                <a:latin typeface="Arial Black" panose="020B0A04020102020204" pitchFamily="34" charset="0"/>
+              </a:rPr>
+              <a:t>It is well connected by trains, buses and public transports. Vegetable markets, shops, hotel, hospitals, banks, super markets are available in this locality</a:t>
+            </a:r>
+            <a:r>
+              <a:rPr lang="en-US" sz="7200" b="0" i="0" dirty="0">
+                <a:solidFill>
+                  <a:srgbClr val="606060"/>
+                </a:solidFill>
+                <a:effectLst/>
+                <a:latin typeface="Arial Black" panose="020B0A04020102020204" pitchFamily="34" charset="0"/>
+              </a:rPr>
+              <a:t>.</a:t>
+            </a:r>
+          </a:p>
+          <a:p>
+            <a:r>
+              <a:rPr lang="en-US" sz="7200" cap="none" dirty="0">
+                <a:latin typeface="Arial Black" panose="020B0A04020102020204" pitchFamily="34" charset="0"/>
+              </a:rPr>
+              <a:t>Hence it is better place for starting Business but in order to maintain any business you should have some unique features for running the same</a:t>
+            </a:r>
+            <a:r>
+              <a:rPr lang="en-US" cap="none" dirty="0">
+                <a:latin typeface="Arial Black" panose="020B0A04020102020204" pitchFamily="34" charset="0"/>
+              </a:rPr>
+              <a:t>.</a:t>
+            </a:r>
+            <a:endParaRPr lang="en-IN" b="1" i="0" cap="none" dirty="0">
+              <a:effectLst/>
+              <a:latin typeface="Arial Black" panose="020B0A04020102020204" pitchFamily="34" charset="0"/>
+            </a:endParaRPr>
+          </a:p>
+          <a:p>
+            <a:endParaRPr lang="en-IN" b="1" cap="none" dirty="0">
+              <a:latin typeface="Arial Black" panose="020B0A04020102020204" pitchFamily="34" charset="0"/>
+            </a:endParaRPr>
+          </a:p>
+        </p:txBody>
+      </p:sp>
+    </p:spTree>
+    <p:extLst>
+      <p:ext uri="{BB962C8B-B14F-4D97-AF65-F5344CB8AC3E}">
+        <p14:creationId xmlns:p14="http://schemas.microsoft.com/office/powerpoint/2010/main" val="3213153919"/>
+      </p:ext>
+    </p:extLst>
+  </p:cSld>
+  <p:clrMapOvr>
+    <a:masterClrMapping/>
+  </p:clrMapOvr>
+</p:sld>
+</file>
+
+<file path=ppt/slides/slide13.xml><?xml version="1.0" encoding="utf-8"?>
+<p:sld xmlns:a="http://schemas.openxmlformats.org/drawingml/2006/main" xmlns:r="http://schemas.openxmlformats.org/officeDocument/2006/relationships" xmlns:p="http://schemas.openxmlformats.org/presentationml/2006/main">
+  <p:cSld>
+    <p:spTree>
+      <p:nvGrpSpPr>
+        <p:cNvPr id="1" name=""/>
+        <p:cNvGrpSpPr/>
+        <p:nvPr/>
+      </p:nvGrpSpPr>
+      <p:grpSpPr>
+        <a:xfrm>
+          <a:off x="0" y="0"/>
+          <a:ext cx="0" cy="0"/>
+          <a:chOff x="0" y="0"/>
+          <a:chExt cx="0" cy="0"/>
+        </a:xfrm>
+      </p:grpSpPr>
+      <p:sp>
+        <p:nvSpPr>
           <p:cNvPr id="3" name="Content Placeholder 2">
             <a:extLst>
               <a:ext uri="{FF2B5EF4-FFF2-40B4-BE49-F238E27FC236}">
